--- a/Dashboard.pptx
+++ b/Dashboard.pptx
@@ -10,6 +10,9 @@
     <p:sldId id="258" r:id="rId4"/>
     <p:sldId id="259" r:id="rId5"/>
     <p:sldId id="260" r:id="rId6"/>
+    <p:sldId id="261" r:id="rId7"/>
+    <p:sldId id="262" r:id="rId8"/>
+    <p:sldId id="263" r:id="rId9"/>
   </p:sldIdLst>
   <p:sldSz cx="12192000" cy="6858000"/>
   <p:notesSz cx="6858000" cy="9144000"/>
@@ -108,6 +111,11 @@
       </a:defRPr>
     </a:lvl9pPr>
   </p:defaultTextStyle>
+  <p:extLst>
+    <p:ext uri="{EFAFB233-063F-42B5-8137-9DF3F51BA10A}">
+      <p15:sldGuideLst xmlns:p15="http://schemas.microsoft.com/office/powerpoint/2012/main"/>
+    </p:ext>
+  </p:extLst>
 </p:presentation>
 </file>
 
@@ -260,7 +268,7 @@
           <a:p>
             <a:fld id="{37046881-3669-43E8-BC1C-2A4DB3FE593A}" type="datetimeFigureOut">
               <a:rPr lang="en-US" smtClean="0"/>
-              <a:t>2/5/2025</a:t>
+              <a:t>2/17/2025</a:t>
             </a:fld>
             <a:endParaRPr lang="en-US"/>
           </a:p>
@@ -460,7 +468,7 @@
           <a:p>
             <a:fld id="{37046881-3669-43E8-BC1C-2A4DB3FE593A}" type="datetimeFigureOut">
               <a:rPr lang="en-US" smtClean="0"/>
-              <a:t>2/5/2025</a:t>
+              <a:t>2/17/2025</a:t>
             </a:fld>
             <a:endParaRPr lang="en-US"/>
           </a:p>
@@ -670,7 +678,7 @@
           <a:p>
             <a:fld id="{37046881-3669-43E8-BC1C-2A4DB3FE593A}" type="datetimeFigureOut">
               <a:rPr lang="en-US" smtClean="0"/>
-              <a:t>2/5/2025</a:t>
+              <a:t>2/17/2025</a:t>
             </a:fld>
             <a:endParaRPr lang="en-US"/>
           </a:p>
@@ -870,7 +878,7 @@
           <a:p>
             <a:fld id="{37046881-3669-43E8-BC1C-2A4DB3FE593A}" type="datetimeFigureOut">
               <a:rPr lang="en-US" smtClean="0"/>
-              <a:t>2/5/2025</a:t>
+              <a:t>2/17/2025</a:t>
             </a:fld>
             <a:endParaRPr lang="en-US"/>
           </a:p>
@@ -1146,7 +1154,7 @@
           <a:p>
             <a:fld id="{37046881-3669-43E8-BC1C-2A4DB3FE593A}" type="datetimeFigureOut">
               <a:rPr lang="en-US" smtClean="0"/>
-              <a:t>2/5/2025</a:t>
+              <a:t>2/17/2025</a:t>
             </a:fld>
             <a:endParaRPr lang="en-US"/>
           </a:p>
@@ -1414,7 +1422,7 @@
           <a:p>
             <a:fld id="{37046881-3669-43E8-BC1C-2A4DB3FE593A}" type="datetimeFigureOut">
               <a:rPr lang="en-US" smtClean="0"/>
-              <a:t>2/5/2025</a:t>
+              <a:t>2/17/2025</a:t>
             </a:fld>
             <a:endParaRPr lang="en-US"/>
           </a:p>
@@ -1829,7 +1837,7 @@
           <a:p>
             <a:fld id="{37046881-3669-43E8-BC1C-2A4DB3FE593A}" type="datetimeFigureOut">
               <a:rPr lang="en-US" smtClean="0"/>
-              <a:t>2/5/2025</a:t>
+              <a:t>2/17/2025</a:t>
             </a:fld>
             <a:endParaRPr lang="en-US"/>
           </a:p>
@@ -1971,7 +1979,7 @@
           <a:p>
             <a:fld id="{37046881-3669-43E8-BC1C-2A4DB3FE593A}" type="datetimeFigureOut">
               <a:rPr lang="en-US" smtClean="0"/>
-              <a:t>2/5/2025</a:t>
+              <a:t>2/17/2025</a:t>
             </a:fld>
             <a:endParaRPr lang="en-US"/>
           </a:p>
@@ -2084,7 +2092,7 @@
           <a:p>
             <a:fld id="{37046881-3669-43E8-BC1C-2A4DB3FE593A}" type="datetimeFigureOut">
               <a:rPr lang="en-US" smtClean="0"/>
-              <a:t>2/5/2025</a:t>
+              <a:t>2/17/2025</a:t>
             </a:fld>
             <a:endParaRPr lang="en-US"/>
           </a:p>
@@ -2397,7 +2405,7 @@
           <a:p>
             <a:fld id="{37046881-3669-43E8-BC1C-2A4DB3FE593A}" type="datetimeFigureOut">
               <a:rPr lang="en-US" smtClean="0"/>
-              <a:t>2/5/2025</a:t>
+              <a:t>2/17/2025</a:t>
             </a:fld>
             <a:endParaRPr lang="en-US"/>
           </a:p>
@@ -2686,7 +2694,7 @@
           <a:p>
             <a:fld id="{37046881-3669-43E8-BC1C-2A4DB3FE593A}" type="datetimeFigureOut">
               <a:rPr lang="en-US" smtClean="0"/>
-              <a:t>2/5/2025</a:t>
+              <a:t>2/17/2025</a:t>
             </a:fld>
             <a:endParaRPr lang="en-US"/>
           </a:p>
@@ -2929,7 +2937,7 @@
           <a:p>
             <a:fld id="{37046881-3669-43E8-BC1C-2A4DB3FE593A}" type="datetimeFigureOut">
               <a:rPr lang="en-US" smtClean="0"/>
-              <a:t>2/5/2025</a:t>
+              <a:t>2/17/2025</a:t>
             </a:fld>
             <a:endParaRPr lang="en-US"/>
           </a:p>
@@ -3629,6 +3637,186 @@
 </p:sld>
 </file>
 
+<file path=ppt/slides/slide6.xml><?xml version="1.0" encoding="utf-8"?>
+<p:sld xmlns:a="http://schemas.openxmlformats.org/drawingml/2006/main" xmlns:r="http://schemas.openxmlformats.org/officeDocument/2006/relationships" xmlns:p="http://schemas.openxmlformats.org/presentationml/2006/main">
+  <p:cSld>
+    <p:spTree>
+      <p:nvGrpSpPr>
+        <p:cNvPr id="1" name=""/>
+        <p:cNvGrpSpPr/>
+        <p:nvPr/>
+      </p:nvGrpSpPr>
+      <p:grpSpPr>
+        <a:xfrm>
+          <a:off x="0" y="0"/>
+          <a:ext cx="0" cy="0"/>
+          <a:chOff x="0" y="0"/>
+          <a:chExt cx="0" cy="0"/>
+        </a:xfrm>
+      </p:grpSpPr>
+      <p:pic>
+        <p:nvPicPr>
+          <p:cNvPr id="3" name="Imagen 2">
+            <a:extLst>
+              <a:ext uri="{FF2B5EF4-FFF2-40B4-BE49-F238E27FC236}">
+                <a16:creationId xmlns:a16="http://schemas.microsoft.com/office/drawing/2014/main" id="{1BEEA603-59C1-286B-6BB2-B4C7F2F23B62}"/>
+              </a:ext>
+            </a:extLst>
+          </p:cNvPr>
+          <p:cNvPicPr>
+            <a:picLocks noChangeAspect="1"/>
+          </p:cNvPicPr>
+          <p:nvPr/>
+        </p:nvPicPr>
+        <p:blipFill>
+          <a:blip r:embed="rId2"/>
+          <a:stretch>
+            <a:fillRect/>
+          </a:stretch>
+        </p:blipFill>
+        <p:spPr>
+          <a:xfrm>
+            <a:off x="1533061" y="0"/>
+            <a:ext cx="9125878" cy="6858000"/>
+          </a:xfrm>
+          <a:prstGeom prst="rect">
+            <a:avLst/>
+          </a:prstGeom>
+        </p:spPr>
+      </p:pic>
+    </p:spTree>
+    <p:extLst>
+      <p:ext uri="{BB962C8B-B14F-4D97-AF65-F5344CB8AC3E}">
+        <p14:creationId xmlns:p14="http://schemas.microsoft.com/office/powerpoint/2010/main" val="2561104145"/>
+      </p:ext>
+    </p:extLst>
+  </p:cSld>
+  <p:clrMapOvr>
+    <a:masterClrMapping/>
+  </p:clrMapOvr>
+</p:sld>
+</file>
+
+<file path=ppt/slides/slide7.xml><?xml version="1.0" encoding="utf-8"?>
+<p:sld xmlns:a="http://schemas.openxmlformats.org/drawingml/2006/main" xmlns:r="http://schemas.openxmlformats.org/officeDocument/2006/relationships" xmlns:p="http://schemas.openxmlformats.org/presentationml/2006/main">
+  <p:cSld>
+    <p:spTree>
+      <p:nvGrpSpPr>
+        <p:cNvPr id="1" name=""/>
+        <p:cNvGrpSpPr/>
+        <p:nvPr/>
+      </p:nvGrpSpPr>
+      <p:grpSpPr>
+        <a:xfrm>
+          <a:off x="0" y="0"/>
+          <a:ext cx="0" cy="0"/>
+          <a:chOff x="0" y="0"/>
+          <a:chExt cx="0" cy="0"/>
+        </a:xfrm>
+      </p:grpSpPr>
+      <p:pic>
+        <p:nvPicPr>
+          <p:cNvPr id="3" name="Imagen 2">
+            <a:extLst>
+              <a:ext uri="{FF2B5EF4-FFF2-40B4-BE49-F238E27FC236}">
+                <a16:creationId xmlns:a16="http://schemas.microsoft.com/office/drawing/2014/main" id="{CF3A9137-C001-6F55-EA87-BE1F4C580EC8}"/>
+              </a:ext>
+            </a:extLst>
+          </p:cNvPr>
+          <p:cNvPicPr>
+            <a:picLocks noChangeAspect="1"/>
+          </p:cNvPicPr>
+          <p:nvPr/>
+        </p:nvPicPr>
+        <p:blipFill>
+          <a:blip r:embed="rId2"/>
+          <a:stretch>
+            <a:fillRect/>
+          </a:stretch>
+        </p:blipFill>
+        <p:spPr>
+          <a:xfrm>
+            <a:off x="1625571" y="0"/>
+            <a:ext cx="8940857" cy="6858000"/>
+          </a:xfrm>
+          <a:prstGeom prst="rect">
+            <a:avLst/>
+          </a:prstGeom>
+        </p:spPr>
+      </p:pic>
+    </p:spTree>
+    <p:extLst>
+      <p:ext uri="{BB962C8B-B14F-4D97-AF65-F5344CB8AC3E}">
+        <p14:creationId xmlns:p14="http://schemas.microsoft.com/office/powerpoint/2010/main" val="2544024626"/>
+      </p:ext>
+    </p:extLst>
+  </p:cSld>
+  <p:clrMapOvr>
+    <a:masterClrMapping/>
+  </p:clrMapOvr>
+</p:sld>
+</file>
+
+<file path=ppt/slides/slide8.xml><?xml version="1.0" encoding="utf-8"?>
+<p:sld xmlns:a="http://schemas.openxmlformats.org/drawingml/2006/main" xmlns:r="http://schemas.openxmlformats.org/officeDocument/2006/relationships" xmlns:p="http://schemas.openxmlformats.org/presentationml/2006/main">
+  <p:cSld>
+    <p:spTree>
+      <p:nvGrpSpPr>
+        <p:cNvPr id="1" name=""/>
+        <p:cNvGrpSpPr/>
+        <p:nvPr/>
+      </p:nvGrpSpPr>
+      <p:grpSpPr>
+        <a:xfrm>
+          <a:off x="0" y="0"/>
+          <a:ext cx="0" cy="0"/>
+          <a:chOff x="0" y="0"/>
+          <a:chExt cx="0" cy="0"/>
+        </a:xfrm>
+      </p:grpSpPr>
+      <p:pic>
+        <p:nvPicPr>
+          <p:cNvPr id="3" name="Imagen 2">
+            <a:extLst>
+              <a:ext uri="{FF2B5EF4-FFF2-40B4-BE49-F238E27FC236}">
+                <a16:creationId xmlns:a16="http://schemas.microsoft.com/office/drawing/2014/main" id="{A062124F-DE55-0322-A694-B0B9013C7BF3}"/>
+              </a:ext>
+            </a:extLst>
+          </p:cNvPr>
+          <p:cNvPicPr>
+            <a:picLocks noChangeAspect="1"/>
+          </p:cNvPicPr>
+          <p:nvPr/>
+        </p:nvPicPr>
+        <p:blipFill>
+          <a:blip r:embed="rId2"/>
+          <a:stretch>
+            <a:fillRect/>
+          </a:stretch>
+        </p:blipFill>
+        <p:spPr>
+          <a:xfrm>
+            <a:off x="0" y="1036415"/>
+            <a:ext cx="12192000" cy="4785169"/>
+          </a:xfrm>
+          <a:prstGeom prst="rect">
+            <a:avLst/>
+          </a:prstGeom>
+        </p:spPr>
+      </p:pic>
+    </p:spTree>
+    <p:extLst>
+      <p:ext uri="{BB962C8B-B14F-4D97-AF65-F5344CB8AC3E}">
+        <p14:creationId xmlns:p14="http://schemas.microsoft.com/office/powerpoint/2010/main" val="1444559490"/>
+      </p:ext>
+    </p:extLst>
+  </p:cSld>
+  <p:clrMapOvr>
+    <a:masterClrMapping/>
+  </p:clrMapOvr>
+</p:sld>
+</file>
+
 <file path=ppt/theme/theme1.xml><?xml version="1.0" encoding="utf-8"?>
 <a:theme xmlns:a="http://schemas.openxmlformats.org/drawingml/2006/main" name="Tema de Office">
   <a:themeElements>
